--- a/2025_SMDM/03_Sampling.pptx
+++ b/2025_SMDM/03_Sampling.pptx
@@ -235,7 +235,7 @@
           <a:p>
             <a:fld id="{E033252C-ECEF-0044-BF19-FBFB46CE84A2}" type="datetimeFigureOut">
               <a:rPr lang="en-US" smtClean="0"/>
-              <a:t>3/27/25</a:t>
+              <a:t>6/12/25</a:t>
             </a:fld>
             <a:endParaRPr lang="en-US"/>
           </a:p>
@@ -733,7 +733,7 @@
           <a:p>
             <a:fld id="{6A8FB48A-BFC4-2846-8228-6201ABA4D0C5}" type="datetimeFigureOut">
               <a:rPr lang="en-US" smtClean="0"/>
-              <a:t>3/27/25</a:t>
+              <a:t>6/12/25</a:t>
             </a:fld>
             <a:endParaRPr lang="en-US"/>
           </a:p>
@@ -931,7 +931,7 @@
           <a:p>
             <a:fld id="{6A8FB48A-BFC4-2846-8228-6201ABA4D0C5}" type="datetimeFigureOut">
               <a:rPr lang="en-US" smtClean="0"/>
-              <a:t>3/27/25</a:t>
+              <a:t>6/12/25</a:t>
             </a:fld>
             <a:endParaRPr lang="en-US"/>
           </a:p>
@@ -1139,7 +1139,7 @@
           <a:p>
             <a:fld id="{6A8FB48A-BFC4-2846-8228-6201ABA4D0C5}" type="datetimeFigureOut">
               <a:rPr lang="en-US" smtClean="0"/>
-              <a:t>3/27/25</a:t>
+              <a:t>6/12/25</a:t>
             </a:fld>
             <a:endParaRPr lang="en-US"/>
           </a:p>
@@ -1337,7 +1337,7 @@
           <a:p>
             <a:fld id="{6A8FB48A-BFC4-2846-8228-6201ABA4D0C5}" type="datetimeFigureOut">
               <a:rPr lang="en-US" smtClean="0"/>
-              <a:t>3/27/25</a:t>
+              <a:t>6/12/25</a:t>
             </a:fld>
             <a:endParaRPr lang="en-US"/>
           </a:p>
@@ -1612,7 +1612,7 @@
           <a:p>
             <a:fld id="{6A8FB48A-BFC4-2846-8228-6201ABA4D0C5}" type="datetimeFigureOut">
               <a:rPr lang="en-US" smtClean="0"/>
-              <a:t>3/27/25</a:t>
+              <a:t>6/12/25</a:t>
             </a:fld>
             <a:endParaRPr lang="en-US"/>
           </a:p>
@@ -1877,7 +1877,7 @@
           <a:p>
             <a:fld id="{6A8FB48A-BFC4-2846-8228-6201ABA4D0C5}" type="datetimeFigureOut">
               <a:rPr lang="en-US" smtClean="0"/>
-              <a:t>3/27/25</a:t>
+              <a:t>6/12/25</a:t>
             </a:fld>
             <a:endParaRPr lang="en-US"/>
           </a:p>
@@ -2289,7 +2289,7 @@
           <a:p>
             <a:fld id="{6A8FB48A-BFC4-2846-8228-6201ABA4D0C5}" type="datetimeFigureOut">
               <a:rPr lang="en-US" smtClean="0"/>
-              <a:t>3/27/25</a:t>
+              <a:t>6/12/25</a:t>
             </a:fld>
             <a:endParaRPr lang="en-US"/>
           </a:p>
@@ -2430,7 +2430,7 @@
           <a:p>
             <a:fld id="{6A8FB48A-BFC4-2846-8228-6201ABA4D0C5}" type="datetimeFigureOut">
               <a:rPr lang="en-US" smtClean="0"/>
-              <a:t>3/27/25</a:t>
+              <a:t>6/12/25</a:t>
             </a:fld>
             <a:endParaRPr lang="en-US"/>
           </a:p>
@@ -2543,7 +2543,7 @@
           <a:p>
             <a:fld id="{6A8FB48A-BFC4-2846-8228-6201ABA4D0C5}" type="datetimeFigureOut">
               <a:rPr lang="en-US" smtClean="0"/>
-              <a:t>3/27/25</a:t>
+              <a:t>6/12/25</a:t>
             </a:fld>
             <a:endParaRPr lang="en-US"/>
           </a:p>
@@ -2854,7 +2854,7 @@
           <a:p>
             <a:fld id="{6A8FB48A-BFC4-2846-8228-6201ABA4D0C5}" type="datetimeFigureOut">
               <a:rPr lang="en-US" smtClean="0"/>
-              <a:t>3/27/25</a:t>
+              <a:t>6/12/25</a:t>
             </a:fld>
             <a:endParaRPr lang="en-US"/>
           </a:p>
@@ -3142,7 +3142,7 @@
           <a:p>
             <a:fld id="{6A8FB48A-BFC4-2846-8228-6201ABA4D0C5}" type="datetimeFigureOut">
               <a:rPr lang="en-US" smtClean="0"/>
-              <a:t>3/27/25</a:t>
+              <a:t>6/12/25</a:t>
             </a:fld>
             <a:endParaRPr lang="en-US"/>
           </a:p>
@@ -3383,7 +3383,7 @@
           <a:p>
             <a:fld id="{6A8FB48A-BFC4-2846-8228-6201ABA4D0C5}" type="datetimeFigureOut">
               <a:rPr lang="en-US" smtClean="0"/>
-              <a:t>3/27/25</a:t>
+              <a:t>6/12/25</a:t>
             </a:fld>
             <a:endParaRPr lang="en-US"/>
           </a:p>
@@ -4523,10 +4523,10 @@
       </p:sp>
       <p:sp>
         <p:nvSpPr>
-          <p:cNvPr id="2" name="TextBox 1">
+          <p:cNvPr id="3" name="TextBox 2">
             <a:extLst>
               <a:ext uri="{FF2B5EF4-FFF2-40B4-BE49-F238E27FC236}">
-                <a16:creationId xmlns:a16="http://schemas.microsoft.com/office/drawing/2014/main" id="{696FB621-0F70-DF5F-7F7A-719FEC9269B6}"/>
+                <a16:creationId xmlns:a16="http://schemas.microsoft.com/office/drawing/2014/main" id="{FCDF5CBB-7176-2BA9-2A1E-74FB39088729}"/>
               </a:ext>
             </a:extLst>
           </p:cNvPr>
@@ -4536,7 +4536,7 @@
         <p:spPr>
           <a:xfrm>
             <a:off x="1208690" y="310250"/>
-            <a:ext cx="5017656" cy="461665"/>
+            <a:ext cx="4609082" cy="461665"/>
           </a:xfrm>
           <a:prstGeom prst="rect">
             <a:avLst/>
@@ -4551,7 +4551,7 @@
           <a:p>
             <a:r>
               <a:rPr lang="en-US" sz="2400" dirty="0"/>
-              <a:t>Sunday 27</a:t>
+              <a:t>Sunday 15</a:t>
             </a:r>
             <a:r>
               <a:rPr lang="en-US" sz="2400" baseline="30000" dirty="0"/>
@@ -4559,7 +4559,7 @@
             </a:r>
             <a:r>
               <a:rPr lang="en-US" sz="2400" dirty="0"/>
-              <a:t> of October 8:30 to 12:00</a:t>
+              <a:t> of June, 9:00 to 12:30</a:t>
             </a:r>
           </a:p>
         </p:txBody>
@@ -15482,10 +15482,10 @@
       </p:sp>
       <p:sp>
         <p:nvSpPr>
-          <p:cNvPr id="2" name="TextBox 1">
+          <p:cNvPr id="3" name="TextBox 2">
             <a:extLst>
               <a:ext uri="{FF2B5EF4-FFF2-40B4-BE49-F238E27FC236}">
-                <a16:creationId xmlns:a16="http://schemas.microsoft.com/office/drawing/2014/main" id="{269602B7-827F-919E-417B-7DD22B88EE92}"/>
+                <a16:creationId xmlns:a16="http://schemas.microsoft.com/office/drawing/2014/main" id="{4A6CCEF4-91A7-627D-24B6-82E2F89222AD}"/>
               </a:ext>
             </a:extLst>
           </p:cNvPr>
@@ -15495,7 +15495,7 @@
         <p:spPr>
           <a:xfrm>
             <a:off x="1208690" y="310250"/>
-            <a:ext cx="5017656" cy="461665"/>
+            <a:ext cx="4609082" cy="461665"/>
           </a:xfrm>
           <a:prstGeom prst="rect">
             <a:avLst/>
@@ -15510,7 +15510,7 @@
           <a:p>
             <a:r>
               <a:rPr lang="en-US" sz="2400" dirty="0"/>
-              <a:t>Sunday 27</a:t>
+              <a:t>Sunday 15</a:t>
             </a:r>
             <a:r>
               <a:rPr lang="en-US" sz="2400" baseline="30000" dirty="0"/>
@@ -15518,7 +15518,7 @@
             </a:r>
             <a:r>
               <a:rPr lang="en-US" sz="2400" dirty="0"/>
-              <a:t> of October 8:30 to 12:00</a:t>
+              <a:t> of June, 9:00 to 12:30</a:t>
             </a:r>
           </a:p>
         </p:txBody>
@@ -19370,6 +19370,17 @@
 </file>
 
 <file path=customXml/item1.xml><?xml version="1.0" encoding="utf-8"?>
+<p:properties xmlns:p="http://schemas.microsoft.com/office/2006/metadata/properties" xmlns:xsi="http://www.w3.org/2001/XMLSchema-instance" xmlns:pc="http://schemas.microsoft.com/office/infopath/2007/PartnerControls">
+  <documentManagement>
+    <TaxCatchAll xmlns="b6c9d19c-b34a-4cf4-8ebf-64c63fc48083" xsi:nil="true"/>
+    <lcf76f155ced4ddcb4097134ff3c332f xmlns="33f92c16-e346-46b5-ac57-2b519ac4cf68">
+      <Terms xmlns="http://schemas.microsoft.com/office/infopath/2007/PartnerControls"/>
+    </lcf76f155ced4ddcb4097134ff3c332f>
+  </documentManagement>
+</p:properties>
+</file>
+
+<file path=customXml/item2.xml><?xml version="1.0" encoding="utf-8"?>
 <ct:contentTypeSchema xmlns:ct="http://schemas.microsoft.com/office/2006/metadata/contentType" xmlns:ma="http://schemas.microsoft.com/office/2006/metadata/properties/metaAttributes" ct:_="" ma:_="" ma:contentTypeName="Document" ma:contentTypeID="0x0101007069032936BB004A979B3FCE77DE1EB1" ma:contentTypeVersion="16" ma:contentTypeDescription="Create a new document." ma:contentTypeScope="" ma:versionID="59b39aa881a230c9f06045ed60478b88">
   <xsd:schema xmlns:xsd="http://www.w3.org/2001/XMLSchema" xmlns:xs="http://www.w3.org/2001/XMLSchema" xmlns:p="http://schemas.microsoft.com/office/2006/metadata/properties" xmlns:ns2="33f92c16-e346-46b5-ac57-2b519ac4cf68" xmlns:ns3="0efde304-9646-43d8-8eee-5b1a55ab17f1" xmlns:ns4="b6c9d19c-b34a-4cf4-8ebf-64c63fc48083" targetNamespace="http://schemas.microsoft.com/office/2006/metadata/properties" ma:root="true" ma:fieldsID="c596c03b60b8e16cee14ab235af6374a" ns2:_="" ns3:_="" ns4:_="">
     <xsd:import namespace="33f92c16-e346-46b5-ac57-2b519ac4cf68"/>
@@ -19609,17 +19620,6 @@
 </ct:contentTypeSchema>
 </file>
 
-<file path=customXml/item2.xml><?xml version="1.0" encoding="utf-8"?>
-<p:properties xmlns:p="http://schemas.microsoft.com/office/2006/metadata/properties" xmlns:xsi="http://www.w3.org/2001/XMLSchema-instance" xmlns:pc="http://schemas.microsoft.com/office/infopath/2007/PartnerControls">
-  <documentManagement>
-    <TaxCatchAll xmlns="b6c9d19c-b34a-4cf4-8ebf-64c63fc48083" xsi:nil="true"/>
-    <lcf76f155ced4ddcb4097134ff3c332f xmlns="33f92c16-e346-46b5-ac57-2b519ac4cf68">
-      <Terms xmlns="http://schemas.microsoft.com/office/infopath/2007/PartnerControls"/>
-    </lcf76f155ced4ddcb4097134ff3c332f>
-  </documentManagement>
-</p:properties>
-</file>
-
 <file path=customXml/item3.xml><?xml version="1.0" encoding="utf-8"?>
 <?mso-contentType ?>
 <FormTemplates xmlns="http://schemas.microsoft.com/sharepoint/v3/contenttype/forms">
@@ -19630,6 +19630,24 @@
 </file>
 
 <file path=customXml/itemProps1.xml><?xml version="1.0" encoding="utf-8"?>
+<ds:datastoreItem xmlns:ds="http://schemas.openxmlformats.org/officeDocument/2006/customXml" ds:itemID="{E709C047-1DE0-4980-A90A-4D5EFC165D2C}">
+  <ds:schemaRefs>
+    <ds:schemaRef ds:uri="0efde304-9646-43d8-8eee-5b1a55ab17f1"/>
+    <ds:schemaRef ds:uri="33f92c16-e346-46b5-ac57-2b519ac4cf68"/>
+    <ds:schemaRef ds:uri="b6c9d19c-b34a-4cf4-8ebf-64c63fc48083"/>
+    <ds:schemaRef ds:uri="http://purl.org/dc/dcmitype/"/>
+    <ds:schemaRef ds:uri="http://purl.org/dc/elements/1.1/"/>
+    <ds:schemaRef ds:uri="http://purl.org/dc/terms/"/>
+    <ds:schemaRef ds:uri="http://schemas.microsoft.com/office/2006/documentManagement/types"/>
+    <ds:schemaRef ds:uri="http://schemas.microsoft.com/office/2006/metadata/properties"/>
+    <ds:schemaRef ds:uri="http://schemas.microsoft.com/office/infopath/2007/PartnerControls"/>
+    <ds:schemaRef ds:uri="http://schemas.openxmlformats.org/package/2006/metadata/core-properties"/>
+    <ds:schemaRef ds:uri="http://www.w3.org/XML/1998/namespace"/>
+  </ds:schemaRefs>
+</ds:datastoreItem>
+</file>
+
+<file path=customXml/itemProps2.xml><?xml version="1.0" encoding="utf-8"?>
 <ds:datastoreItem xmlns:ds="http://schemas.openxmlformats.org/officeDocument/2006/customXml" ds:itemID="{2D7DA705-6300-4113-B183-485198D9C84E}">
   <ds:schemaRefs>
     <ds:schemaRef ds:uri="0efde304-9646-43d8-8eee-5b1a55ab17f1"/>
@@ -19649,24 +19667,6 @@
 </ds:datastoreItem>
 </file>
 
-<file path=customXml/itemProps2.xml><?xml version="1.0" encoding="utf-8"?>
-<ds:datastoreItem xmlns:ds="http://schemas.openxmlformats.org/officeDocument/2006/customXml" ds:itemID="{E709C047-1DE0-4980-A90A-4D5EFC165D2C}">
-  <ds:schemaRefs>
-    <ds:schemaRef ds:uri="0efde304-9646-43d8-8eee-5b1a55ab17f1"/>
-    <ds:schemaRef ds:uri="33f92c16-e346-46b5-ac57-2b519ac4cf68"/>
-    <ds:schemaRef ds:uri="b6c9d19c-b34a-4cf4-8ebf-64c63fc48083"/>
-    <ds:schemaRef ds:uri="http://purl.org/dc/dcmitype/"/>
-    <ds:schemaRef ds:uri="http://purl.org/dc/elements/1.1/"/>
-    <ds:schemaRef ds:uri="http://purl.org/dc/terms/"/>
-    <ds:schemaRef ds:uri="http://schemas.microsoft.com/office/2006/documentManagement/types"/>
-    <ds:schemaRef ds:uri="http://schemas.microsoft.com/office/2006/metadata/properties"/>
-    <ds:schemaRef ds:uri="http://schemas.microsoft.com/office/infopath/2007/PartnerControls"/>
-    <ds:schemaRef ds:uri="http://schemas.openxmlformats.org/package/2006/metadata/core-properties"/>
-    <ds:schemaRef ds:uri="http://www.w3.org/XML/1998/namespace"/>
-  </ds:schemaRefs>
-</ds:datastoreItem>
-</file>
-
 <file path=customXml/itemProps3.xml><?xml version="1.0" encoding="utf-8"?>
 <ds:datastoreItem xmlns:ds="http://schemas.openxmlformats.org/officeDocument/2006/customXml" ds:itemID="{EF0BFC65-ABD5-40EA-BAE0-821B9D6524E8}">
   <ds:schemaRefs>
